--- a/dfd 2차.pptx
+++ b/dfd 2차.pptx
@@ -3754,8 +3754,8 @@
         </p:nvSpPr>
         <p:spPr>
           <a:xfrm>
-            <a:off x="1597473" y="4379218"/>
-            <a:ext cx="1084090" cy="580084"/>
+            <a:off x="1597472" y="4379218"/>
+            <a:ext cx="1319913" cy="580084"/>
           </a:xfrm>
           <a:prstGeom prst="ellipse">
             <a:avLst/>
@@ -3783,9 +3783,30 @@
           <a:p>
             <a:pPr algn="ctr"/>
             <a:r>
+              <a:rPr lang="en-US" altLang="ko-KR" sz="1400" dirty="0"/>
+              <a:t>(</a:t>
+            </a:r>
+            <a:r>
               <a:rPr lang="ko-KR" altLang="en-US" sz="1400" dirty="0"/>
-              <a:t>로그인</a:t>
-            </a:r>
+              <a:t>앱 개발</a:t>
+            </a:r>
+            <a:endParaRPr lang="en-US" altLang="ko-KR" sz="1400" dirty="0"/>
+          </a:p>
+          <a:p>
+            <a:pPr algn="ctr"/>
+            <a:r>
+              <a:rPr lang="ko-KR" altLang="en-US" sz="1400" dirty="0"/>
+              <a:t>오픈소스</a:t>
+            </a:r>
+            <a:r>
+              <a:rPr lang="en-US" altLang="ko-KR" sz="1400" dirty="0" err="1"/>
+              <a:t>sw</a:t>
+            </a:r>
+            <a:r>
+              <a:rPr lang="en-US" altLang="ko-KR" sz="1400" dirty="0"/>
+              <a:t>)</a:t>
+            </a:r>
+            <a:endParaRPr lang="ko-KR" altLang="en-US" sz="1400" dirty="0"/>
           </a:p>
         </p:txBody>
       </p:sp>
@@ -4991,14 +5012,14 @@
         </p:nvCxnSpPr>
         <p:spPr>
           <a:xfrm flipH="1" flipV="1">
-            <a:off x="1597473" y="4669260"/>
-            <a:ext cx="742194" cy="1202885"/>
+            <a:off x="1597472" y="4669260"/>
+            <a:ext cx="742195" cy="1202885"/>
           </a:xfrm>
           <a:prstGeom prst="bentConnector5">
             <a:avLst>
               <a:gd name="adj1" fmla="val -30801"/>
               <a:gd name="adj2" fmla="val 60095"/>
-              <a:gd name="adj3" fmla="val 112946"/>
+              <a:gd name="adj3" fmla="val 130801"/>
             </a:avLst>
           </a:prstGeom>
           <a:ln>
@@ -5038,8 +5059,8 @@
         </p:nvCxnSpPr>
         <p:spPr>
           <a:xfrm flipV="1">
-            <a:off x="2681563" y="4667180"/>
-            <a:ext cx="385853" cy="2080"/>
+            <a:off x="2917385" y="4667180"/>
+            <a:ext cx="150031" cy="2080"/>
           </a:xfrm>
           <a:prstGeom prst="straightConnector1">
             <a:avLst/>
